--- a/US Trade Presentation Slides.pptx
+++ b/US Trade Presentation Slides.pptx
@@ -6,6 +6,9 @@
   </p:sldMasterIdLst>
   <p:sldIdLst>
     <p:sldId id="256" r:id="rId2"/>
+    <p:sldId id="257" r:id="rId3"/>
+    <p:sldId id="258" r:id="rId4"/>
+    <p:sldId id="259" r:id="rId5"/>
   </p:sldIdLst>
   <p:sldSz cx="12192000" cy="6858000"/>
   <p:notesSz cx="6858000" cy="9144000"/>
@@ -104,6 +107,11 @@
       </a:defRPr>
     </a:lvl9pPr>
   </p:defaultTextStyle>
+  <p:extLst>
+    <p:ext uri="{EFAFB233-063F-42B5-8137-9DF3F51BA10A}">
+      <p15:sldGuideLst xmlns:p15="http://schemas.microsoft.com/office/powerpoint/2012/main"/>
+    </p:ext>
+  </p:extLst>
 </p:presentation>
 </file>
 
@@ -254,7 +262,7 @@
           <a:p>
             <a:fld id="{F554ACD4-52BA-4E64-8924-EEB95BBFECA7}" type="datetimeFigureOut">
               <a:rPr lang="en-US" smtClean="0"/>
-              <a:t>11/14/2024</a:t>
+              <a:t>11/18/2024</a:t>
             </a:fld>
             <a:endParaRPr lang="en-US"/>
           </a:p>
@@ -452,7 +460,7 @@
           <a:p>
             <a:fld id="{F554ACD4-52BA-4E64-8924-EEB95BBFECA7}" type="datetimeFigureOut">
               <a:rPr lang="en-US" smtClean="0"/>
-              <a:t>11/14/2024</a:t>
+              <a:t>11/18/2024</a:t>
             </a:fld>
             <a:endParaRPr lang="en-US"/>
           </a:p>
@@ -660,7 +668,7 @@
           <a:p>
             <a:fld id="{F554ACD4-52BA-4E64-8924-EEB95BBFECA7}" type="datetimeFigureOut">
               <a:rPr lang="en-US" smtClean="0"/>
-              <a:t>11/14/2024</a:t>
+              <a:t>11/18/2024</a:t>
             </a:fld>
             <a:endParaRPr lang="en-US"/>
           </a:p>
@@ -858,7 +866,7 @@
           <a:p>
             <a:fld id="{F554ACD4-52BA-4E64-8924-EEB95BBFECA7}" type="datetimeFigureOut">
               <a:rPr lang="en-US" smtClean="0"/>
-              <a:t>11/14/2024</a:t>
+              <a:t>11/18/2024</a:t>
             </a:fld>
             <a:endParaRPr lang="en-US"/>
           </a:p>
@@ -1133,7 +1141,7 @@
           <a:p>
             <a:fld id="{F554ACD4-52BA-4E64-8924-EEB95BBFECA7}" type="datetimeFigureOut">
               <a:rPr lang="en-US" smtClean="0"/>
-              <a:t>11/14/2024</a:t>
+              <a:t>11/18/2024</a:t>
             </a:fld>
             <a:endParaRPr lang="en-US"/>
           </a:p>
@@ -1398,7 +1406,7 @@
           <a:p>
             <a:fld id="{F554ACD4-52BA-4E64-8924-EEB95BBFECA7}" type="datetimeFigureOut">
               <a:rPr lang="en-US" smtClean="0"/>
-              <a:t>11/14/2024</a:t>
+              <a:t>11/18/2024</a:t>
             </a:fld>
             <a:endParaRPr lang="en-US"/>
           </a:p>
@@ -1810,7 +1818,7 @@
           <a:p>
             <a:fld id="{F554ACD4-52BA-4E64-8924-EEB95BBFECA7}" type="datetimeFigureOut">
               <a:rPr lang="en-US" smtClean="0"/>
-              <a:t>11/14/2024</a:t>
+              <a:t>11/18/2024</a:t>
             </a:fld>
             <a:endParaRPr lang="en-US"/>
           </a:p>
@@ -1951,7 +1959,7 @@
           <a:p>
             <a:fld id="{F554ACD4-52BA-4E64-8924-EEB95BBFECA7}" type="datetimeFigureOut">
               <a:rPr lang="en-US" smtClean="0"/>
-              <a:t>11/14/2024</a:t>
+              <a:t>11/18/2024</a:t>
             </a:fld>
             <a:endParaRPr lang="en-US"/>
           </a:p>
@@ -2064,7 +2072,7 @@
           <a:p>
             <a:fld id="{F554ACD4-52BA-4E64-8924-EEB95BBFECA7}" type="datetimeFigureOut">
               <a:rPr lang="en-US" smtClean="0"/>
-              <a:t>11/14/2024</a:t>
+              <a:t>11/18/2024</a:t>
             </a:fld>
             <a:endParaRPr lang="en-US"/>
           </a:p>
@@ -2375,7 +2383,7 @@
           <a:p>
             <a:fld id="{F554ACD4-52BA-4E64-8924-EEB95BBFECA7}" type="datetimeFigureOut">
               <a:rPr lang="en-US" smtClean="0"/>
-              <a:t>11/14/2024</a:t>
+              <a:t>11/18/2024</a:t>
             </a:fld>
             <a:endParaRPr lang="en-US"/>
           </a:p>
@@ -2663,7 +2671,7 @@
           <a:p>
             <a:fld id="{F554ACD4-52BA-4E64-8924-EEB95BBFECA7}" type="datetimeFigureOut">
               <a:rPr lang="en-US" smtClean="0"/>
-              <a:t>11/14/2024</a:t>
+              <a:t>11/18/2024</a:t>
             </a:fld>
             <a:endParaRPr lang="en-US"/>
           </a:p>
@@ -2904,7 +2912,7 @@
           <a:p>
             <a:fld id="{F554ACD4-52BA-4E64-8924-EEB95BBFECA7}" type="datetimeFigureOut">
               <a:rPr lang="en-US" smtClean="0"/>
-              <a:t>11/14/2024</a:t>
+              <a:t>11/18/2024</a:t>
             </a:fld>
             <a:endParaRPr lang="en-US"/>
           </a:p>
@@ -3405,6 +3413,332 @@
     <p:extLst>
       <p:ext uri="{BB962C8B-B14F-4D97-AF65-F5344CB8AC3E}">
         <p14:creationId xmlns:p14="http://schemas.microsoft.com/office/powerpoint/2010/main" val="1504604545"/>
+      </p:ext>
+    </p:extLst>
+  </p:cSld>
+  <p:clrMapOvr>
+    <a:masterClrMapping/>
+  </p:clrMapOvr>
+</p:sld>
+</file>
+
+<file path=ppt/slides/slide2.xml><?xml version="1.0" encoding="utf-8"?>
+<p:sld xmlns:a="http://schemas.openxmlformats.org/drawingml/2006/main" xmlns:r="http://schemas.openxmlformats.org/officeDocument/2006/relationships" xmlns:p="http://schemas.openxmlformats.org/presentationml/2006/main">
+  <p:cSld>
+    <p:spTree>
+      <p:nvGrpSpPr>
+        <p:cNvPr id="1" name=""/>
+        <p:cNvGrpSpPr/>
+        <p:nvPr/>
+      </p:nvGrpSpPr>
+      <p:grpSpPr>
+        <a:xfrm>
+          <a:off x="0" y="0"/>
+          <a:ext cx="0" cy="0"/>
+          <a:chOff x="0" y="0"/>
+          <a:chExt cx="0" cy="0"/>
+        </a:xfrm>
+      </p:grpSpPr>
+      <p:sp>
+        <p:nvSpPr>
+          <p:cNvPr id="2" name="Title 1">
+            <a:extLst>
+              <a:ext uri="{FF2B5EF4-FFF2-40B4-BE49-F238E27FC236}">
+                <a16:creationId xmlns:a16="http://schemas.microsoft.com/office/drawing/2014/main" id="{D41EFF3C-F8A8-DC7F-8B52-06C9E4C82D52}"/>
+              </a:ext>
+            </a:extLst>
+          </p:cNvPr>
+          <p:cNvSpPr>
+            <a:spLocks noGrp="1"/>
+          </p:cNvSpPr>
+          <p:nvPr>
+            <p:ph type="title"/>
+          </p:nvPr>
+        </p:nvSpPr>
+        <p:spPr/>
+        <p:txBody>
+          <a:bodyPr/>
+          <a:lstStyle/>
+          <a:p>
+            <a:pPr algn="ctr"/>
+            <a:r>
+              <a:rPr lang="en-US" dirty="0"/>
+              <a:t>TOP 5 EXPORT PRODUCTS (2013-2018)</a:t>
+            </a:r>
+          </a:p>
+        </p:txBody>
+      </p:sp>
+      <p:pic>
+        <p:nvPicPr>
+          <p:cNvPr id="5" name="Content Placeholder 4">
+            <a:extLst>
+              <a:ext uri="{FF2B5EF4-FFF2-40B4-BE49-F238E27FC236}">
+                <a16:creationId xmlns:a16="http://schemas.microsoft.com/office/drawing/2014/main" id="{754B88C5-699B-2FFC-F4C1-40DC80F365B2}"/>
+              </a:ext>
+            </a:extLst>
+          </p:cNvPr>
+          <p:cNvPicPr>
+            <a:picLocks noGrp="1" noChangeAspect="1"/>
+          </p:cNvPicPr>
+          <p:nvPr>
+            <p:ph idx="1"/>
+          </p:nvPr>
+        </p:nvPicPr>
+        <p:blipFill>
+          <a:blip r:embed="rId2"/>
+          <a:stretch>
+            <a:fillRect/>
+          </a:stretch>
+        </p:blipFill>
+        <p:spPr>
+          <a:xfrm>
+            <a:off x="3372787" y="2034241"/>
+            <a:ext cx="8819213" cy="4051765"/>
+          </a:xfrm>
+        </p:spPr>
+      </p:pic>
+      <p:pic>
+        <p:nvPicPr>
+          <p:cNvPr id="7" name="Picture 6">
+            <a:extLst>
+              <a:ext uri="{FF2B5EF4-FFF2-40B4-BE49-F238E27FC236}">
+                <a16:creationId xmlns:a16="http://schemas.microsoft.com/office/drawing/2014/main" id="{80C9D0E1-D871-E763-0161-7E5215E5F48D}"/>
+              </a:ext>
+            </a:extLst>
+          </p:cNvPr>
+          <p:cNvPicPr>
+            <a:picLocks noChangeAspect="1"/>
+          </p:cNvPicPr>
+          <p:nvPr/>
+        </p:nvPicPr>
+        <p:blipFill>
+          <a:blip r:embed="rId3"/>
+          <a:stretch>
+            <a:fillRect/>
+          </a:stretch>
+        </p:blipFill>
+        <p:spPr>
+          <a:xfrm>
+            <a:off x="194873" y="1905473"/>
+            <a:ext cx="4841822" cy="2441673"/>
+          </a:xfrm>
+          <a:prstGeom prst="rect">
+            <a:avLst/>
+          </a:prstGeom>
+        </p:spPr>
+      </p:pic>
+    </p:spTree>
+    <p:extLst>
+      <p:ext uri="{BB962C8B-B14F-4D97-AF65-F5344CB8AC3E}">
+        <p14:creationId xmlns:p14="http://schemas.microsoft.com/office/powerpoint/2010/main" val="1290962340"/>
+      </p:ext>
+    </p:extLst>
+  </p:cSld>
+  <p:clrMapOvr>
+    <a:masterClrMapping/>
+  </p:clrMapOvr>
+</p:sld>
+</file>
+
+<file path=ppt/slides/slide3.xml><?xml version="1.0" encoding="utf-8"?>
+<p:sld xmlns:a="http://schemas.openxmlformats.org/drawingml/2006/main" xmlns:r="http://schemas.openxmlformats.org/officeDocument/2006/relationships" xmlns:p="http://schemas.openxmlformats.org/presentationml/2006/main">
+  <p:cSld>
+    <p:spTree>
+      <p:nvGrpSpPr>
+        <p:cNvPr id="1" name=""/>
+        <p:cNvGrpSpPr/>
+        <p:nvPr/>
+      </p:nvGrpSpPr>
+      <p:grpSpPr>
+        <a:xfrm>
+          <a:off x="0" y="0"/>
+          <a:ext cx="0" cy="0"/>
+          <a:chOff x="0" y="0"/>
+          <a:chExt cx="0" cy="0"/>
+        </a:xfrm>
+      </p:grpSpPr>
+      <p:sp>
+        <p:nvSpPr>
+          <p:cNvPr id="2" name="Title 1">
+            <a:extLst>
+              <a:ext uri="{FF2B5EF4-FFF2-40B4-BE49-F238E27FC236}">
+                <a16:creationId xmlns:a16="http://schemas.microsoft.com/office/drawing/2014/main" id="{B3220BD2-9574-C999-F472-60302A8AA97B}"/>
+              </a:ext>
+            </a:extLst>
+          </p:cNvPr>
+          <p:cNvSpPr>
+            <a:spLocks noGrp="1"/>
+          </p:cNvSpPr>
+          <p:nvPr>
+            <p:ph type="title"/>
+          </p:nvPr>
+        </p:nvSpPr>
+        <p:spPr/>
+        <p:txBody>
+          <a:bodyPr/>
+          <a:lstStyle/>
+          <a:p>
+            <a:pPr algn="ctr"/>
+            <a:r>
+              <a:rPr lang="en-US" dirty="0"/>
+              <a:t>TOP 5 IMPORT PRODUCTS (2013-2018)</a:t>
+            </a:r>
+          </a:p>
+        </p:txBody>
+      </p:sp>
+      <p:pic>
+        <p:nvPicPr>
+          <p:cNvPr id="5" name="Content Placeholder 4">
+            <a:extLst>
+              <a:ext uri="{FF2B5EF4-FFF2-40B4-BE49-F238E27FC236}">
+                <a16:creationId xmlns:a16="http://schemas.microsoft.com/office/drawing/2014/main" id="{FC9B2AA8-530E-987E-D05B-49832F8ACCAC}"/>
+              </a:ext>
+            </a:extLst>
+          </p:cNvPr>
+          <p:cNvPicPr>
+            <a:picLocks noGrp="1" noChangeAspect="1"/>
+          </p:cNvPicPr>
+          <p:nvPr>
+            <p:ph idx="1"/>
+          </p:nvPr>
+        </p:nvPicPr>
+        <p:blipFill>
+          <a:blip r:embed="rId2"/>
+          <a:stretch>
+            <a:fillRect/>
+          </a:stretch>
+        </p:blipFill>
+        <p:spPr>
+          <a:xfrm>
+            <a:off x="4791622" y="1705675"/>
+            <a:ext cx="7400378" cy="4107984"/>
+          </a:xfrm>
+        </p:spPr>
+      </p:pic>
+      <p:pic>
+        <p:nvPicPr>
+          <p:cNvPr id="7" name="Picture 6">
+            <a:extLst>
+              <a:ext uri="{FF2B5EF4-FFF2-40B4-BE49-F238E27FC236}">
+                <a16:creationId xmlns:a16="http://schemas.microsoft.com/office/drawing/2014/main" id="{3D344FB5-0798-3D1A-D916-D0B5DE63A2FD}"/>
+              </a:ext>
+            </a:extLst>
+          </p:cNvPr>
+          <p:cNvPicPr>
+            <a:picLocks noChangeAspect="1"/>
+          </p:cNvPicPr>
+          <p:nvPr/>
+        </p:nvPicPr>
+        <p:blipFill>
+          <a:blip r:embed="rId3"/>
+          <a:stretch>
+            <a:fillRect/>
+          </a:stretch>
+        </p:blipFill>
+        <p:spPr>
+          <a:xfrm>
+            <a:off x="284813" y="1690687"/>
+            <a:ext cx="4746651" cy="1861981"/>
+          </a:xfrm>
+          <a:prstGeom prst="rect">
+            <a:avLst/>
+          </a:prstGeom>
+        </p:spPr>
+      </p:pic>
+    </p:spTree>
+    <p:extLst>
+      <p:ext uri="{BB962C8B-B14F-4D97-AF65-F5344CB8AC3E}">
+        <p14:creationId xmlns:p14="http://schemas.microsoft.com/office/powerpoint/2010/main" val="534412455"/>
+      </p:ext>
+    </p:extLst>
+  </p:cSld>
+  <p:clrMapOvr>
+    <a:masterClrMapping/>
+  </p:clrMapOvr>
+</p:sld>
+</file>
+
+<file path=ppt/slides/slide4.xml><?xml version="1.0" encoding="utf-8"?>
+<p:sld xmlns:a="http://schemas.openxmlformats.org/drawingml/2006/main" xmlns:r="http://schemas.openxmlformats.org/officeDocument/2006/relationships" xmlns:p="http://schemas.openxmlformats.org/presentationml/2006/main">
+  <p:cSld>
+    <p:spTree>
+      <p:nvGrpSpPr>
+        <p:cNvPr id="1" name=""/>
+        <p:cNvGrpSpPr/>
+        <p:nvPr/>
+      </p:nvGrpSpPr>
+      <p:grpSpPr>
+        <a:xfrm>
+          <a:off x="0" y="0"/>
+          <a:ext cx="0" cy="0"/>
+          <a:chOff x="0" y="0"/>
+          <a:chExt cx="0" cy="0"/>
+        </a:xfrm>
+      </p:grpSpPr>
+      <p:sp>
+        <p:nvSpPr>
+          <p:cNvPr id="2" name="Title 1">
+            <a:extLst>
+              <a:ext uri="{FF2B5EF4-FFF2-40B4-BE49-F238E27FC236}">
+                <a16:creationId xmlns:a16="http://schemas.microsoft.com/office/drawing/2014/main" id="{E9B6F365-7957-98E3-D99C-D69E49A6CF7C}"/>
+              </a:ext>
+            </a:extLst>
+          </p:cNvPr>
+          <p:cNvSpPr>
+            <a:spLocks noGrp="1"/>
+          </p:cNvSpPr>
+          <p:nvPr>
+            <p:ph type="title"/>
+          </p:nvPr>
+        </p:nvSpPr>
+        <p:spPr/>
+        <p:txBody>
+          <a:bodyPr>
+            <a:normAutofit/>
+          </a:bodyPr>
+          <a:lstStyle/>
+          <a:p>
+            <a:pPr algn="ctr"/>
+            <a:r>
+              <a:rPr lang="en-US" sz="3600" dirty="0"/>
+              <a:t>TOP 5 EXPORT PRODUCTS VS IMPORT PRODUCTS </a:t>
+            </a:r>
+          </a:p>
+        </p:txBody>
+      </p:sp>
+      <p:pic>
+        <p:nvPicPr>
+          <p:cNvPr id="5" name="Content Placeholder 4">
+            <a:extLst>
+              <a:ext uri="{FF2B5EF4-FFF2-40B4-BE49-F238E27FC236}">
+                <a16:creationId xmlns:a16="http://schemas.microsoft.com/office/drawing/2014/main" id="{BA342CFB-4514-E9B1-F527-08C22FE6B40D}"/>
+              </a:ext>
+            </a:extLst>
+          </p:cNvPr>
+          <p:cNvPicPr>
+            <a:picLocks noGrp="1" noChangeAspect="1"/>
+          </p:cNvPicPr>
+          <p:nvPr>
+            <p:ph idx="1"/>
+          </p:nvPr>
+        </p:nvPicPr>
+        <p:blipFill>
+          <a:blip r:embed="rId2"/>
+          <a:stretch>
+            <a:fillRect/>
+          </a:stretch>
+        </p:blipFill>
+        <p:spPr>
+          <a:xfrm>
+            <a:off x="1304145" y="1179372"/>
+            <a:ext cx="8949128" cy="5678628"/>
+          </a:xfrm>
+        </p:spPr>
+      </p:pic>
+    </p:spTree>
+    <p:extLst>
+      <p:ext uri="{BB962C8B-B14F-4D97-AF65-F5344CB8AC3E}">
+        <p14:creationId xmlns:p14="http://schemas.microsoft.com/office/powerpoint/2010/main" val="839570633"/>
       </p:ext>
     </p:extLst>
   </p:cSld>
